--- a/PizzaWarz.pptx
+++ b/PizzaWarz.pptx
@@ -821,6 +821,37 @@
           <a:bodyPr/>
           <a:lstStyle/>
           <a:p>
+            <a:r>
+              <a:rPr lang="en-US" dirty="0" smtClean="0"/>
+              <a:t>For Pizza Warz</a:t>
+            </a:r>
+            <a:r>
+              <a:rPr lang="en-US" baseline="0" dirty="0" smtClean="0"/>
+              <a:t> we decided to create our own sprites by drawing most of what we used. In addition we also held a drawing contest for all BIS students. The winner and other 4 top vehicles were added into the game.</a:t>
+            </a:r>
+          </a:p>
+          <a:p>
+            <a:endParaRPr lang="en-US" baseline="0" dirty="0" smtClean="0"/>
+          </a:p>
+          <a:p>
+            <a:r>
+              <a:rPr lang="en-US" baseline="0" dirty="0" smtClean="0"/>
+              <a:t>The Mini Map in the bottom corner to help guide drivers around the map and to delivery points.</a:t>
+            </a:r>
+          </a:p>
+          <a:p>
+            <a:endParaRPr lang="en-US" baseline="0" dirty="0" smtClean="0"/>
+          </a:p>
+          <a:p>
+            <a:r>
+              <a:rPr lang="en-US" baseline="0" dirty="0" smtClean="0"/>
+              <a:t>Each time you play the game a new City Map is generated. This makes it new, different, and challenging every time.</a:t>
+            </a:r>
+          </a:p>
+          <a:p>
+            <a:endParaRPr lang="en-US" baseline="0" smtClean="0"/>
+          </a:p>
+          <a:p>
             <a:endParaRPr lang="en-US" dirty="0"/>
           </a:p>
         </p:txBody>
@@ -1284,11 +1315,7 @@
             </a:r>
             <a:r>
               <a:rPr lang="en-US" baseline="0" dirty="0" smtClean="0"/>
-              <a:t> you Cheryl. Rincy lets hear about </a:t>
-            </a:r>
-            <a:r>
-              <a:rPr lang="en-US" baseline="0" dirty="0" smtClean="0"/>
-              <a:t>you, your role in the game and significate contributions.</a:t>
+              <a:t> you Cheryl. Rincy lets hear about you, your role in the game and significate contributions.</a:t>
             </a:r>
             <a:endParaRPr lang="en-US" dirty="0" smtClean="0"/>
           </a:p>
@@ -7085,7 +7112,9 @@
         </p:nvSpPr>
         <p:spPr/>
         <p:txBody>
-          <a:bodyPr/>
+          <a:bodyPr>
+            <a:normAutofit/>
+          </a:bodyPr>
           <a:lstStyle/>
           <a:p>
             <a:pPr>
@@ -7094,8 +7123,13 @@
             </a:pPr>
             <a:r>
               <a:rPr lang="en-US" dirty="0" smtClean="0"/>
-              <a:t>Hand Drawn Sprites</a:t>
-            </a:r>
+              <a:t>Hand Drawn </a:t>
+            </a:r>
+            <a:r>
+              <a:rPr lang="en-US" dirty="0" smtClean="0"/>
+              <a:t>Sprites</a:t>
+            </a:r>
+            <a:endParaRPr lang="en-US" dirty="0" smtClean="0"/>
           </a:p>
           <a:p>
             <a:pPr>
@@ -7103,8 +7137,8 @@
               <a:buChar char="Ø"/>
             </a:pPr>
             <a:r>
-              <a:rPr lang="en-US" smtClean="0"/>
-              <a:t>Radio</a:t>
+              <a:rPr lang="en-US" dirty="0" smtClean="0"/>
+              <a:t>Mini Map</a:t>
             </a:r>
           </a:p>
           <a:p>
@@ -7112,7 +7146,10 @@
               <a:buFont typeface="Wingdings" panose="05000000000000000000" pitchFamily="2" charset="2"/>
               <a:buChar char="Ø"/>
             </a:pPr>
-            <a:endParaRPr lang="en-US" dirty="0" smtClean="0"/>
+            <a:r>
+              <a:rPr lang="en-US" dirty="0" smtClean="0"/>
+              <a:t>Random Map</a:t>
+            </a:r>
           </a:p>
           <a:p>
             <a:pPr>
@@ -7121,8 +7158,9 @@
             </a:pPr>
             <a:r>
               <a:rPr lang="en-US" dirty="0" smtClean="0"/>
-              <a:t>Additional Features</a:t>
-            </a:r>
+              <a:t>Vehicles Spawned</a:t>
+            </a:r>
+            <a:endParaRPr lang="en-US" dirty="0" smtClean="0"/>
           </a:p>
           <a:p>
             <a:pPr>
@@ -7131,7 +7169,7 @@
             </a:pPr>
             <a:r>
               <a:rPr lang="en-US" dirty="0" smtClean="0"/>
-              <a:t>Unique</a:t>
+              <a:t>Vehicles Movement</a:t>
             </a:r>
           </a:p>
           <a:p>
@@ -7141,8 +7179,9 @@
             </a:pPr>
             <a:r>
               <a:rPr lang="en-US" dirty="0" smtClean="0"/>
-              <a:t>Music Sound Map</a:t>
-            </a:r>
+              <a:t>Radio</a:t>
+            </a:r>
+            <a:endParaRPr lang="en-US" dirty="0" smtClean="0"/>
           </a:p>
           <a:p>
             <a:pPr>
@@ -7151,14 +7190,27 @@
             </a:pPr>
             <a:r>
               <a:rPr lang="en-US" dirty="0" smtClean="0"/>
-              <a:t>Game Flow Map</a:t>
-            </a:r>
+              <a:t>Music Sound </a:t>
+            </a:r>
+            <a:r>
+              <a:rPr lang="en-US" dirty="0" smtClean="0"/>
+              <a:t>Map</a:t>
+            </a:r>
+            <a:endParaRPr lang="en-US" dirty="0" smtClean="0"/>
           </a:p>
           <a:p>
             <a:pPr>
               <a:buFont typeface="Wingdings" panose="05000000000000000000" pitchFamily="2" charset="2"/>
               <a:buChar char="Ø"/>
             </a:pPr>
+            <a:r>
+              <a:rPr lang="en-US" dirty="0" smtClean="0"/>
+              <a:t>Game Flow </a:t>
+            </a:r>
+            <a:r>
+              <a:rPr lang="en-US" dirty="0" smtClean="0"/>
+              <a:t>Map</a:t>
+            </a:r>
             <a:endParaRPr lang="en-US" dirty="0" smtClean="0"/>
           </a:p>
           <a:p>
@@ -7446,7 +7498,7 @@
                                         <p:tgtEl>
                                           <p:spTgt spid="3">
                                             <p:txEl>
-                                              <p:pRg st="3" end="3"/>
+                                              <p:pRg st="2" end="2"/>
                                             </p:txEl>
                                           </p:spTgt>
                                         </p:tgtEl>
@@ -7464,7 +7516,7 @@
                                         <p:tgtEl>
                                           <p:spTgt spid="3">
                                             <p:txEl>
-                                              <p:pRg st="3" end="3"/>
+                                              <p:pRg st="2" end="2"/>
                                             </p:txEl>
                                           </p:spTgt>
                                         </p:tgtEl>
@@ -7476,7 +7528,7 @@
                                         <p:tgtEl>
                                           <p:spTgt spid="3">
                                             <p:txEl>
-                                              <p:pRg st="3" end="3"/>
+                                              <p:pRg st="2" end="2"/>
                                             </p:txEl>
                                           </p:spTgt>
                                         </p:tgtEl>
@@ -7503,7 +7555,7 @@
                                         <p:tgtEl>
                                           <p:spTgt spid="3">
                                             <p:txEl>
-                                              <p:pRg st="3" end="3"/>
+                                              <p:pRg st="2" end="2"/>
                                             </p:txEl>
                                           </p:spTgt>
                                         </p:tgtEl>
@@ -7561,7 +7613,7 @@
                                         <p:tgtEl>
                                           <p:spTgt spid="3">
                                             <p:txEl>
-                                              <p:pRg st="4" end="4"/>
+                                              <p:pRg st="3" end="3"/>
                                             </p:txEl>
                                           </p:spTgt>
                                         </p:tgtEl>
@@ -7579,7 +7631,7 @@
                                         <p:tgtEl>
                                           <p:spTgt spid="3">
                                             <p:txEl>
-                                              <p:pRg st="4" end="4"/>
+                                              <p:pRg st="3" end="3"/>
                                             </p:txEl>
                                           </p:spTgt>
                                         </p:tgtEl>
@@ -7591,7 +7643,7 @@
                                         <p:tgtEl>
                                           <p:spTgt spid="3">
                                             <p:txEl>
-                                              <p:pRg st="4" end="4"/>
+                                              <p:pRg st="3" end="3"/>
                                             </p:txEl>
                                           </p:spTgt>
                                         </p:tgtEl>
@@ -7618,7 +7670,7 @@
                                         <p:tgtEl>
                                           <p:spTgt spid="3">
                                             <p:txEl>
-                                              <p:pRg st="4" end="4"/>
+                                              <p:pRg st="3" end="3"/>
                                             </p:txEl>
                                           </p:spTgt>
                                         </p:tgtEl>
@@ -7676,7 +7728,7 @@
                                         <p:tgtEl>
                                           <p:spTgt spid="3">
                                             <p:txEl>
-                                              <p:pRg st="5" end="5"/>
+                                              <p:pRg st="4" end="4"/>
                                             </p:txEl>
                                           </p:spTgt>
                                         </p:tgtEl>
@@ -7694,7 +7746,7 @@
                                         <p:tgtEl>
                                           <p:spTgt spid="3">
                                             <p:txEl>
-                                              <p:pRg st="5" end="5"/>
+                                              <p:pRg st="4" end="4"/>
                                             </p:txEl>
                                           </p:spTgt>
                                         </p:tgtEl>
@@ -7706,7 +7758,7 @@
                                         <p:tgtEl>
                                           <p:spTgt spid="3">
                                             <p:txEl>
-                                              <p:pRg st="5" end="5"/>
+                                              <p:pRg st="4" end="4"/>
                                             </p:txEl>
                                           </p:spTgt>
                                         </p:tgtEl>
@@ -7733,7 +7785,7 @@
                                         <p:tgtEl>
                                           <p:spTgt spid="3">
                                             <p:txEl>
-                                              <p:pRg st="5" end="5"/>
+                                              <p:pRg st="4" end="4"/>
                                             </p:txEl>
                                           </p:spTgt>
                                         </p:tgtEl>
@@ -7791,7 +7843,7 @@
                                         <p:tgtEl>
                                           <p:spTgt spid="3">
                                             <p:txEl>
-                                              <p:pRg st="6" end="6"/>
+                                              <p:pRg st="5" end="5"/>
                                             </p:txEl>
                                           </p:spTgt>
                                         </p:tgtEl>
@@ -7809,7 +7861,7 @@
                                         <p:tgtEl>
                                           <p:spTgt spid="3">
                                             <p:txEl>
-                                              <p:pRg st="6" end="6"/>
+                                              <p:pRg st="5" end="5"/>
                                             </p:txEl>
                                           </p:spTgt>
                                         </p:tgtEl>
@@ -7821,7 +7873,7 @@
                                         <p:tgtEl>
                                           <p:spTgt spid="3">
                                             <p:txEl>
-                                              <p:pRg st="6" end="6"/>
+                                              <p:pRg st="5" end="5"/>
                                             </p:txEl>
                                           </p:spTgt>
                                         </p:tgtEl>
@@ -7848,7 +7900,237 @@
                                         <p:tgtEl>
                                           <p:spTgt spid="3">
                                             <p:txEl>
+                                              <p:pRg st="5" end="5"/>
+                                            </p:txEl>
+                                          </p:spTgt>
+                                        </p:tgtEl>
+                                        <p:attrNameLst>
+                                          <p:attrName>ppt_y</p:attrName>
+                                        </p:attrNameLst>
+                                      </p:cBhvr>
+                                      <p:tavLst>
+                                        <p:tav tm="0">
+                                          <p:val>
+                                            <p:strVal val="#ppt_y+.1"/>
+                                          </p:val>
+                                        </p:tav>
+                                        <p:tav tm="100000">
+                                          <p:val>
+                                            <p:strVal val="#ppt_y"/>
+                                          </p:val>
+                                        </p:tav>
+                                      </p:tavLst>
+                                    </p:anim>
+                                  </p:childTnLst>
+                                </p:cTn>
+                              </p:par>
+                            </p:childTnLst>
+                          </p:cTn>
+                        </p:par>
+                      </p:childTnLst>
+                    </p:cTn>
+                  </p:par>
+                  <p:par>
+                    <p:cTn id="45" fill="hold">
+                      <p:stCondLst>
+                        <p:cond delay="indefinite"/>
+                      </p:stCondLst>
+                      <p:childTnLst>
+                        <p:par>
+                          <p:cTn id="46" fill="hold">
+                            <p:stCondLst>
+                              <p:cond delay="0"/>
+                            </p:stCondLst>
+                            <p:childTnLst>
+                              <p:par>
+                                <p:cTn id="47" presetID="42" presetClass="entr" presetSubtype="0" fill="hold" grpId="0" nodeType="clickEffect">
+                                  <p:stCondLst>
+                                    <p:cond delay="0"/>
+                                  </p:stCondLst>
+                                  <p:childTnLst>
+                                    <p:set>
+                                      <p:cBhvr>
+                                        <p:cTn id="48" dur="1" fill="hold">
+                                          <p:stCondLst>
+                                            <p:cond delay="0"/>
+                                          </p:stCondLst>
+                                        </p:cTn>
+                                        <p:tgtEl>
+                                          <p:spTgt spid="3">
+                                            <p:txEl>
                                               <p:pRg st="6" end="6"/>
+                                            </p:txEl>
+                                          </p:spTgt>
+                                        </p:tgtEl>
+                                        <p:attrNameLst>
+                                          <p:attrName>style.visibility</p:attrName>
+                                        </p:attrNameLst>
+                                      </p:cBhvr>
+                                      <p:to>
+                                        <p:strVal val="visible"/>
+                                      </p:to>
+                                    </p:set>
+                                    <p:animEffect transition="in" filter="fade">
+                                      <p:cBhvr>
+                                        <p:cTn id="49" dur="1000"/>
+                                        <p:tgtEl>
+                                          <p:spTgt spid="3">
+                                            <p:txEl>
+                                              <p:pRg st="6" end="6"/>
+                                            </p:txEl>
+                                          </p:spTgt>
+                                        </p:tgtEl>
+                                      </p:cBhvr>
+                                    </p:animEffect>
+                                    <p:anim calcmode="lin" valueType="num">
+                                      <p:cBhvr>
+                                        <p:cTn id="50" dur="1000" fill="hold"/>
+                                        <p:tgtEl>
+                                          <p:spTgt spid="3">
+                                            <p:txEl>
+                                              <p:pRg st="6" end="6"/>
+                                            </p:txEl>
+                                          </p:spTgt>
+                                        </p:tgtEl>
+                                        <p:attrNameLst>
+                                          <p:attrName>ppt_x</p:attrName>
+                                        </p:attrNameLst>
+                                      </p:cBhvr>
+                                      <p:tavLst>
+                                        <p:tav tm="0">
+                                          <p:val>
+                                            <p:strVal val="#ppt_x"/>
+                                          </p:val>
+                                        </p:tav>
+                                        <p:tav tm="100000">
+                                          <p:val>
+                                            <p:strVal val="#ppt_x"/>
+                                          </p:val>
+                                        </p:tav>
+                                      </p:tavLst>
+                                    </p:anim>
+                                    <p:anim calcmode="lin" valueType="num">
+                                      <p:cBhvr>
+                                        <p:cTn id="51" dur="1000" fill="hold"/>
+                                        <p:tgtEl>
+                                          <p:spTgt spid="3">
+                                            <p:txEl>
+                                              <p:pRg st="6" end="6"/>
+                                            </p:txEl>
+                                          </p:spTgt>
+                                        </p:tgtEl>
+                                        <p:attrNameLst>
+                                          <p:attrName>ppt_y</p:attrName>
+                                        </p:attrNameLst>
+                                      </p:cBhvr>
+                                      <p:tavLst>
+                                        <p:tav tm="0">
+                                          <p:val>
+                                            <p:strVal val="#ppt_y+.1"/>
+                                          </p:val>
+                                        </p:tav>
+                                        <p:tav tm="100000">
+                                          <p:val>
+                                            <p:strVal val="#ppt_y"/>
+                                          </p:val>
+                                        </p:tav>
+                                      </p:tavLst>
+                                    </p:anim>
+                                  </p:childTnLst>
+                                </p:cTn>
+                              </p:par>
+                            </p:childTnLst>
+                          </p:cTn>
+                        </p:par>
+                      </p:childTnLst>
+                    </p:cTn>
+                  </p:par>
+                  <p:par>
+                    <p:cTn id="52" fill="hold">
+                      <p:stCondLst>
+                        <p:cond delay="indefinite"/>
+                      </p:stCondLst>
+                      <p:childTnLst>
+                        <p:par>
+                          <p:cTn id="53" fill="hold">
+                            <p:stCondLst>
+                              <p:cond delay="0"/>
+                            </p:stCondLst>
+                            <p:childTnLst>
+                              <p:par>
+                                <p:cTn id="54" presetID="42" presetClass="entr" presetSubtype="0" fill="hold" grpId="0" nodeType="clickEffect">
+                                  <p:stCondLst>
+                                    <p:cond delay="0"/>
+                                  </p:stCondLst>
+                                  <p:childTnLst>
+                                    <p:set>
+                                      <p:cBhvr>
+                                        <p:cTn id="55" dur="1" fill="hold">
+                                          <p:stCondLst>
+                                            <p:cond delay="0"/>
+                                          </p:stCondLst>
+                                        </p:cTn>
+                                        <p:tgtEl>
+                                          <p:spTgt spid="3">
+                                            <p:txEl>
+                                              <p:pRg st="7" end="7"/>
+                                            </p:txEl>
+                                          </p:spTgt>
+                                        </p:tgtEl>
+                                        <p:attrNameLst>
+                                          <p:attrName>style.visibility</p:attrName>
+                                        </p:attrNameLst>
+                                      </p:cBhvr>
+                                      <p:to>
+                                        <p:strVal val="visible"/>
+                                      </p:to>
+                                    </p:set>
+                                    <p:animEffect transition="in" filter="fade">
+                                      <p:cBhvr>
+                                        <p:cTn id="56" dur="1000"/>
+                                        <p:tgtEl>
+                                          <p:spTgt spid="3">
+                                            <p:txEl>
+                                              <p:pRg st="7" end="7"/>
+                                            </p:txEl>
+                                          </p:spTgt>
+                                        </p:tgtEl>
+                                      </p:cBhvr>
+                                    </p:animEffect>
+                                    <p:anim calcmode="lin" valueType="num">
+                                      <p:cBhvr>
+                                        <p:cTn id="57" dur="1000" fill="hold"/>
+                                        <p:tgtEl>
+                                          <p:spTgt spid="3">
+                                            <p:txEl>
+                                              <p:pRg st="7" end="7"/>
+                                            </p:txEl>
+                                          </p:spTgt>
+                                        </p:tgtEl>
+                                        <p:attrNameLst>
+                                          <p:attrName>ppt_x</p:attrName>
+                                        </p:attrNameLst>
+                                      </p:cBhvr>
+                                      <p:tavLst>
+                                        <p:tav tm="0">
+                                          <p:val>
+                                            <p:strVal val="#ppt_x"/>
+                                          </p:val>
+                                        </p:tav>
+                                        <p:tav tm="100000">
+                                          <p:val>
+                                            <p:strVal val="#ppt_x"/>
+                                          </p:val>
+                                        </p:tav>
+                                      </p:tavLst>
+                                    </p:anim>
+                                    <p:anim calcmode="lin" valueType="num">
+                                      <p:cBhvr>
+                                        <p:cTn id="58" dur="1000" fill="hold"/>
+                                        <p:tgtEl>
+                                          <p:spTgt spid="3">
+                                            <p:txEl>
+                                              <p:pRg st="7" end="7"/>
                                             </p:txEl>
                                           </p:spTgt>
                                         </p:tgtEl>
@@ -7978,8 +8260,59 @@
             </a:pPr>
             <a:r>
               <a:rPr lang="en-US" dirty="0" smtClean="0"/>
-              <a:t>What Went Wrong</a:t>
-            </a:r>
+              <a:t>What Went </a:t>
+            </a:r>
+            <a:r>
+              <a:rPr lang="en-US" dirty="0" smtClean="0"/>
+              <a:t>Wrong</a:t>
+            </a:r>
+          </a:p>
+          <a:p>
+            <a:pPr>
+              <a:buFont typeface="Wingdings" panose="05000000000000000000" pitchFamily="2" charset="2"/>
+              <a:buChar char="Ø"/>
+            </a:pPr>
+            <a:r>
+              <a:rPr lang="en-US" dirty="0" smtClean="0"/>
+              <a:t>Random Movement of Cars</a:t>
+            </a:r>
+          </a:p>
+          <a:p>
+            <a:pPr>
+              <a:buFont typeface="Wingdings" panose="05000000000000000000" pitchFamily="2" charset="2"/>
+              <a:buChar char="Ø"/>
+            </a:pPr>
+            <a:r>
+              <a:rPr lang="en-US" dirty="0" smtClean="0"/>
+              <a:t>Persistence</a:t>
+            </a:r>
+          </a:p>
+          <a:p>
+            <a:pPr>
+              <a:buFont typeface="Wingdings" panose="05000000000000000000" pitchFamily="2" charset="2"/>
+              <a:buChar char="Ø"/>
+            </a:pPr>
+            <a:r>
+              <a:rPr lang="en-US" dirty="0" smtClean="0"/>
+              <a:t>Fonts Proper Size</a:t>
+            </a:r>
+          </a:p>
+          <a:p>
+            <a:pPr>
+              <a:buFont typeface="Wingdings" panose="05000000000000000000" pitchFamily="2" charset="2"/>
+              <a:buChar char="Ø"/>
+            </a:pPr>
+            <a:r>
+              <a:rPr lang="en-US" dirty="0" smtClean="0"/>
+              <a:t>GitHub</a:t>
+            </a:r>
+          </a:p>
+          <a:p>
+            <a:pPr>
+              <a:buFont typeface="Wingdings" panose="05000000000000000000" pitchFamily="2" charset="2"/>
+              <a:buChar char="Ø"/>
+            </a:pPr>
+            <a:endParaRPr lang="en-US" dirty="0" smtClean="0"/>
           </a:p>
         </p:txBody>
       </p:sp>
@@ -8202,6 +8535,466 @@
                                           <p:spTgt spid="3">
                                             <p:txEl>
                                               <p:pRg st="1" end="1"/>
+                                            </p:txEl>
+                                          </p:spTgt>
+                                        </p:tgtEl>
+                                        <p:attrNameLst>
+                                          <p:attrName>ppt_y</p:attrName>
+                                        </p:attrNameLst>
+                                      </p:cBhvr>
+                                      <p:tavLst>
+                                        <p:tav tm="0">
+                                          <p:val>
+                                            <p:strVal val="#ppt_y+.1"/>
+                                          </p:val>
+                                        </p:tav>
+                                        <p:tav tm="100000">
+                                          <p:val>
+                                            <p:strVal val="#ppt_y"/>
+                                          </p:val>
+                                        </p:tav>
+                                      </p:tavLst>
+                                    </p:anim>
+                                  </p:childTnLst>
+                                </p:cTn>
+                              </p:par>
+                            </p:childTnLst>
+                          </p:cTn>
+                        </p:par>
+                      </p:childTnLst>
+                    </p:cTn>
+                  </p:par>
+                  <p:par>
+                    <p:cTn id="17" fill="hold">
+                      <p:stCondLst>
+                        <p:cond delay="indefinite"/>
+                      </p:stCondLst>
+                      <p:childTnLst>
+                        <p:par>
+                          <p:cTn id="18" fill="hold">
+                            <p:stCondLst>
+                              <p:cond delay="0"/>
+                            </p:stCondLst>
+                            <p:childTnLst>
+                              <p:par>
+                                <p:cTn id="19" presetID="42" presetClass="entr" presetSubtype="0" fill="hold" grpId="0" nodeType="clickEffect">
+                                  <p:stCondLst>
+                                    <p:cond delay="0"/>
+                                  </p:stCondLst>
+                                  <p:childTnLst>
+                                    <p:set>
+                                      <p:cBhvr>
+                                        <p:cTn id="20" dur="1" fill="hold">
+                                          <p:stCondLst>
+                                            <p:cond delay="0"/>
+                                          </p:stCondLst>
+                                        </p:cTn>
+                                        <p:tgtEl>
+                                          <p:spTgt spid="3">
+                                            <p:txEl>
+                                              <p:pRg st="2" end="2"/>
+                                            </p:txEl>
+                                          </p:spTgt>
+                                        </p:tgtEl>
+                                        <p:attrNameLst>
+                                          <p:attrName>style.visibility</p:attrName>
+                                        </p:attrNameLst>
+                                      </p:cBhvr>
+                                      <p:to>
+                                        <p:strVal val="visible"/>
+                                      </p:to>
+                                    </p:set>
+                                    <p:animEffect transition="in" filter="fade">
+                                      <p:cBhvr>
+                                        <p:cTn id="21" dur="1000"/>
+                                        <p:tgtEl>
+                                          <p:spTgt spid="3">
+                                            <p:txEl>
+                                              <p:pRg st="2" end="2"/>
+                                            </p:txEl>
+                                          </p:spTgt>
+                                        </p:tgtEl>
+                                      </p:cBhvr>
+                                    </p:animEffect>
+                                    <p:anim calcmode="lin" valueType="num">
+                                      <p:cBhvr>
+                                        <p:cTn id="22" dur="1000" fill="hold"/>
+                                        <p:tgtEl>
+                                          <p:spTgt spid="3">
+                                            <p:txEl>
+                                              <p:pRg st="2" end="2"/>
+                                            </p:txEl>
+                                          </p:spTgt>
+                                        </p:tgtEl>
+                                        <p:attrNameLst>
+                                          <p:attrName>ppt_x</p:attrName>
+                                        </p:attrNameLst>
+                                      </p:cBhvr>
+                                      <p:tavLst>
+                                        <p:tav tm="0">
+                                          <p:val>
+                                            <p:strVal val="#ppt_x"/>
+                                          </p:val>
+                                        </p:tav>
+                                        <p:tav tm="100000">
+                                          <p:val>
+                                            <p:strVal val="#ppt_x"/>
+                                          </p:val>
+                                        </p:tav>
+                                      </p:tavLst>
+                                    </p:anim>
+                                    <p:anim calcmode="lin" valueType="num">
+                                      <p:cBhvr>
+                                        <p:cTn id="23" dur="1000" fill="hold"/>
+                                        <p:tgtEl>
+                                          <p:spTgt spid="3">
+                                            <p:txEl>
+                                              <p:pRg st="2" end="2"/>
+                                            </p:txEl>
+                                          </p:spTgt>
+                                        </p:tgtEl>
+                                        <p:attrNameLst>
+                                          <p:attrName>ppt_y</p:attrName>
+                                        </p:attrNameLst>
+                                      </p:cBhvr>
+                                      <p:tavLst>
+                                        <p:tav tm="0">
+                                          <p:val>
+                                            <p:strVal val="#ppt_y+.1"/>
+                                          </p:val>
+                                        </p:tav>
+                                        <p:tav tm="100000">
+                                          <p:val>
+                                            <p:strVal val="#ppt_y"/>
+                                          </p:val>
+                                        </p:tav>
+                                      </p:tavLst>
+                                    </p:anim>
+                                  </p:childTnLst>
+                                </p:cTn>
+                              </p:par>
+                            </p:childTnLst>
+                          </p:cTn>
+                        </p:par>
+                      </p:childTnLst>
+                    </p:cTn>
+                  </p:par>
+                  <p:par>
+                    <p:cTn id="24" fill="hold">
+                      <p:stCondLst>
+                        <p:cond delay="indefinite"/>
+                      </p:stCondLst>
+                      <p:childTnLst>
+                        <p:par>
+                          <p:cTn id="25" fill="hold">
+                            <p:stCondLst>
+                              <p:cond delay="0"/>
+                            </p:stCondLst>
+                            <p:childTnLst>
+                              <p:par>
+                                <p:cTn id="26" presetID="42" presetClass="entr" presetSubtype="0" fill="hold" grpId="0" nodeType="clickEffect">
+                                  <p:stCondLst>
+                                    <p:cond delay="0"/>
+                                  </p:stCondLst>
+                                  <p:childTnLst>
+                                    <p:set>
+                                      <p:cBhvr>
+                                        <p:cTn id="27" dur="1" fill="hold">
+                                          <p:stCondLst>
+                                            <p:cond delay="0"/>
+                                          </p:stCondLst>
+                                        </p:cTn>
+                                        <p:tgtEl>
+                                          <p:spTgt spid="3">
+                                            <p:txEl>
+                                              <p:pRg st="3" end="3"/>
+                                            </p:txEl>
+                                          </p:spTgt>
+                                        </p:tgtEl>
+                                        <p:attrNameLst>
+                                          <p:attrName>style.visibility</p:attrName>
+                                        </p:attrNameLst>
+                                      </p:cBhvr>
+                                      <p:to>
+                                        <p:strVal val="visible"/>
+                                      </p:to>
+                                    </p:set>
+                                    <p:animEffect transition="in" filter="fade">
+                                      <p:cBhvr>
+                                        <p:cTn id="28" dur="1000"/>
+                                        <p:tgtEl>
+                                          <p:spTgt spid="3">
+                                            <p:txEl>
+                                              <p:pRg st="3" end="3"/>
+                                            </p:txEl>
+                                          </p:spTgt>
+                                        </p:tgtEl>
+                                      </p:cBhvr>
+                                    </p:animEffect>
+                                    <p:anim calcmode="lin" valueType="num">
+                                      <p:cBhvr>
+                                        <p:cTn id="29" dur="1000" fill="hold"/>
+                                        <p:tgtEl>
+                                          <p:spTgt spid="3">
+                                            <p:txEl>
+                                              <p:pRg st="3" end="3"/>
+                                            </p:txEl>
+                                          </p:spTgt>
+                                        </p:tgtEl>
+                                        <p:attrNameLst>
+                                          <p:attrName>ppt_x</p:attrName>
+                                        </p:attrNameLst>
+                                      </p:cBhvr>
+                                      <p:tavLst>
+                                        <p:tav tm="0">
+                                          <p:val>
+                                            <p:strVal val="#ppt_x"/>
+                                          </p:val>
+                                        </p:tav>
+                                        <p:tav tm="100000">
+                                          <p:val>
+                                            <p:strVal val="#ppt_x"/>
+                                          </p:val>
+                                        </p:tav>
+                                      </p:tavLst>
+                                    </p:anim>
+                                    <p:anim calcmode="lin" valueType="num">
+                                      <p:cBhvr>
+                                        <p:cTn id="30" dur="1000" fill="hold"/>
+                                        <p:tgtEl>
+                                          <p:spTgt spid="3">
+                                            <p:txEl>
+                                              <p:pRg st="3" end="3"/>
+                                            </p:txEl>
+                                          </p:spTgt>
+                                        </p:tgtEl>
+                                        <p:attrNameLst>
+                                          <p:attrName>ppt_y</p:attrName>
+                                        </p:attrNameLst>
+                                      </p:cBhvr>
+                                      <p:tavLst>
+                                        <p:tav tm="0">
+                                          <p:val>
+                                            <p:strVal val="#ppt_y+.1"/>
+                                          </p:val>
+                                        </p:tav>
+                                        <p:tav tm="100000">
+                                          <p:val>
+                                            <p:strVal val="#ppt_y"/>
+                                          </p:val>
+                                        </p:tav>
+                                      </p:tavLst>
+                                    </p:anim>
+                                  </p:childTnLst>
+                                </p:cTn>
+                              </p:par>
+                            </p:childTnLst>
+                          </p:cTn>
+                        </p:par>
+                      </p:childTnLst>
+                    </p:cTn>
+                  </p:par>
+                  <p:par>
+                    <p:cTn id="31" fill="hold">
+                      <p:stCondLst>
+                        <p:cond delay="indefinite"/>
+                      </p:stCondLst>
+                      <p:childTnLst>
+                        <p:par>
+                          <p:cTn id="32" fill="hold">
+                            <p:stCondLst>
+                              <p:cond delay="0"/>
+                            </p:stCondLst>
+                            <p:childTnLst>
+                              <p:par>
+                                <p:cTn id="33" presetID="42" presetClass="entr" presetSubtype="0" fill="hold" grpId="0" nodeType="clickEffect">
+                                  <p:stCondLst>
+                                    <p:cond delay="0"/>
+                                  </p:stCondLst>
+                                  <p:childTnLst>
+                                    <p:set>
+                                      <p:cBhvr>
+                                        <p:cTn id="34" dur="1" fill="hold">
+                                          <p:stCondLst>
+                                            <p:cond delay="0"/>
+                                          </p:stCondLst>
+                                        </p:cTn>
+                                        <p:tgtEl>
+                                          <p:spTgt spid="3">
+                                            <p:txEl>
+                                              <p:pRg st="4" end="4"/>
+                                            </p:txEl>
+                                          </p:spTgt>
+                                        </p:tgtEl>
+                                        <p:attrNameLst>
+                                          <p:attrName>style.visibility</p:attrName>
+                                        </p:attrNameLst>
+                                      </p:cBhvr>
+                                      <p:to>
+                                        <p:strVal val="visible"/>
+                                      </p:to>
+                                    </p:set>
+                                    <p:animEffect transition="in" filter="fade">
+                                      <p:cBhvr>
+                                        <p:cTn id="35" dur="1000"/>
+                                        <p:tgtEl>
+                                          <p:spTgt spid="3">
+                                            <p:txEl>
+                                              <p:pRg st="4" end="4"/>
+                                            </p:txEl>
+                                          </p:spTgt>
+                                        </p:tgtEl>
+                                      </p:cBhvr>
+                                    </p:animEffect>
+                                    <p:anim calcmode="lin" valueType="num">
+                                      <p:cBhvr>
+                                        <p:cTn id="36" dur="1000" fill="hold"/>
+                                        <p:tgtEl>
+                                          <p:spTgt spid="3">
+                                            <p:txEl>
+                                              <p:pRg st="4" end="4"/>
+                                            </p:txEl>
+                                          </p:spTgt>
+                                        </p:tgtEl>
+                                        <p:attrNameLst>
+                                          <p:attrName>ppt_x</p:attrName>
+                                        </p:attrNameLst>
+                                      </p:cBhvr>
+                                      <p:tavLst>
+                                        <p:tav tm="0">
+                                          <p:val>
+                                            <p:strVal val="#ppt_x"/>
+                                          </p:val>
+                                        </p:tav>
+                                        <p:tav tm="100000">
+                                          <p:val>
+                                            <p:strVal val="#ppt_x"/>
+                                          </p:val>
+                                        </p:tav>
+                                      </p:tavLst>
+                                    </p:anim>
+                                    <p:anim calcmode="lin" valueType="num">
+                                      <p:cBhvr>
+                                        <p:cTn id="37" dur="1000" fill="hold"/>
+                                        <p:tgtEl>
+                                          <p:spTgt spid="3">
+                                            <p:txEl>
+                                              <p:pRg st="4" end="4"/>
+                                            </p:txEl>
+                                          </p:spTgt>
+                                        </p:tgtEl>
+                                        <p:attrNameLst>
+                                          <p:attrName>ppt_y</p:attrName>
+                                        </p:attrNameLst>
+                                      </p:cBhvr>
+                                      <p:tavLst>
+                                        <p:tav tm="0">
+                                          <p:val>
+                                            <p:strVal val="#ppt_y+.1"/>
+                                          </p:val>
+                                        </p:tav>
+                                        <p:tav tm="100000">
+                                          <p:val>
+                                            <p:strVal val="#ppt_y"/>
+                                          </p:val>
+                                        </p:tav>
+                                      </p:tavLst>
+                                    </p:anim>
+                                  </p:childTnLst>
+                                </p:cTn>
+                              </p:par>
+                            </p:childTnLst>
+                          </p:cTn>
+                        </p:par>
+                      </p:childTnLst>
+                    </p:cTn>
+                  </p:par>
+                  <p:par>
+                    <p:cTn id="38" fill="hold">
+                      <p:stCondLst>
+                        <p:cond delay="indefinite"/>
+                      </p:stCondLst>
+                      <p:childTnLst>
+                        <p:par>
+                          <p:cTn id="39" fill="hold">
+                            <p:stCondLst>
+                              <p:cond delay="0"/>
+                            </p:stCondLst>
+                            <p:childTnLst>
+                              <p:par>
+                                <p:cTn id="40" presetID="42" presetClass="entr" presetSubtype="0" fill="hold" grpId="0" nodeType="clickEffect">
+                                  <p:stCondLst>
+                                    <p:cond delay="0"/>
+                                  </p:stCondLst>
+                                  <p:childTnLst>
+                                    <p:set>
+                                      <p:cBhvr>
+                                        <p:cTn id="41" dur="1" fill="hold">
+                                          <p:stCondLst>
+                                            <p:cond delay="0"/>
+                                          </p:stCondLst>
+                                        </p:cTn>
+                                        <p:tgtEl>
+                                          <p:spTgt spid="3">
+                                            <p:txEl>
+                                              <p:pRg st="5" end="5"/>
+                                            </p:txEl>
+                                          </p:spTgt>
+                                        </p:tgtEl>
+                                        <p:attrNameLst>
+                                          <p:attrName>style.visibility</p:attrName>
+                                        </p:attrNameLst>
+                                      </p:cBhvr>
+                                      <p:to>
+                                        <p:strVal val="visible"/>
+                                      </p:to>
+                                    </p:set>
+                                    <p:animEffect transition="in" filter="fade">
+                                      <p:cBhvr>
+                                        <p:cTn id="42" dur="1000"/>
+                                        <p:tgtEl>
+                                          <p:spTgt spid="3">
+                                            <p:txEl>
+                                              <p:pRg st="5" end="5"/>
+                                            </p:txEl>
+                                          </p:spTgt>
+                                        </p:tgtEl>
+                                      </p:cBhvr>
+                                    </p:animEffect>
+                                    <p:anim calcmode="lin" valueType="num">
+                                      <p:cBhvr>
+                                        <p:cTn id="43" dur="1000" fill="hold"/>
+                                        <p:tgtEl>
+                                          <p:spTgt spid="3">
+                                            <p:txEl>
+                                              <p:pRg st="5" end="5"/>
+                                            </p:txEl>
+                                          </p:spTgt>
+                                        </p:tgtEl>
+                                        <p:attrNameLst>
+                                          <p:attrName>ppt_x</p:attrName>
+                                        </p:attrNameLst>
+                                      </p:cBhvr>
+                                      <p:tavLst>
+                                        <p:tav tm="0">
+                                          <p:val>
+                                            <p:strVal val="#ppt_x"/>
+                                          </p:val>
+                                        </p:tav>
+                                        <p:tav tm="100000">
+                                          <p:val>
+                                            <p:strVal val="#ppt_x"/>
+                                          </p:val>
+                                        </p:tav>
+                                      </p:tavLst>
+                                    </p:anim>
+                                    <p:anim calcmode="lin" valueType="num">
+                                      <p:cBhvr>
+                                        <p:cTn id="44" dur="1000" fill="hold"/>
+                                        <p:tgtEl>
+                                          <p:spTgt spid="3">
+                                            <p:txEl>
+                                              <p:pRg st="5" end="5"/>
                                             </p:txEl>
                                           </p:spTgt>
                                         </p:tgtEl>
@@ -8321,8 +9114,59 @@
             </a:pPr>
             <a:r>
               <a:rPr lang="en-US" dirty="0" smtClean="0"/>
-              <a:t>What Went Right</a:t>
-            </a:r>
+              <a:t>What Went </a:t>
+            </a:r>
+            <a:r>
+              <a:rPr lang="en-US" dirty="0" smtClean="0"/>
+              <a:t>Right</a:t>
+            </a:r>
+          </a:p>
+          <a:p>
+            <a:pPr>
+              <a:buFont typeface="Wingdings" panose="05000000000000000000" pitchFamily="2" charset="2"/>
+              <a:buChar char="Ø"/>
+            </a:pPr>
+            <a:r>
+              <a:rPr lang="en-US" dirty="0" smtClean="0"/>
+              <a:t>Attitude</a:t>
+            </a:r>
+          </a:p>
+          <a:p>
+            <a:pPr>
+              <a:buFont typeface="Wingdings" panose="05000000000000000000" pitchFamily="2" charset="2"/>
+              <a:buChar char="Ø"/>
+            </a:pPr>
+            <a:r>
+              <a:rPr lang="en-US" dirty="0" smtClean="0"/>
+              <a:t>Mind Set</a:t>
+            </a:r>
+          </a:p>
+          <a:p>
+            <a:pPr>
+              <a:buFont typeface="Wingdings" panose="05000000000000000000" pitchFamily="2" charset="2"/>
+              <a:buChar char="Ø"/>
+            </a:pPr>
+            <a:r>
+              <a:rPr lang="en-US" dirty="0" smtClean="0"/>
+              <a:t>Determination</a:t>
+            </a:r>
+          </a:p>
+          <a:p>
+            <a:pPr>
+              <a:buFont typeface="Wingdings" panose="05000000000000000000" pitchFamily="2" charset="2"/>
+              <a:buChar char="Ø"/>
+            </a:pPr>
+            <a:r>
+              <a:rPr lang="en-US" dirty="0" smtClean="0"/>
+              <a:t>Invested</a:t>
+            </a:r>
+          </a:p>
+          <a:p>
+            <a:pPr>
+              <a:buFont typeface="Wingdings" panose="05000000000000000000" pitchFamily="2" charset="2"/>
+              <a:buChar char="Ø"/>
+            </a:pPr>
+            <a:endParaRPr lang="en-US" dirty="0" smtClean="0"/>
           </a:p>
         </p:txBody>
       </p:sp>
@@ -8430,6 +9274,466 @@
                                           <p:spTgt spid="3">
                                             <p:txEl>
                                               <p:pRg st="0" end="0"/>
+                                            </p:txEl>
+                                          </p:spTgt>
+                                        </p:tgtEl>
+                                        <p:attrNameLst>
+                                          <p:attrName>ppt_y</p:attrName>
+                                        </p:attrNameLst>
+                                      </p:cBhvr>
+                                      <p:tavLst>
+                                        <p:tav tm="0">
+                                          <p:val>
+                                            <p:strVal val="#ppt_y+.1"/>
+                                          </p:val>
+                                        </p:tav>
+                                        <p:tav tm="100000">
+                                          <p:val>
+                                            <p:strVal val="#ppt_y"/>
+                                          </p:val>
+                                        </p:tav>
+                                      </p:tavLst>
+                                    </p:anim>
+                                  </p:childTnLst>
+                                </p:cTn>
+                              </p:par>
+                            </p:childTnLst>
+                          </p:cTn>
+                        </p:par>
+                      </p:childTnLst>
+                    </p:cTn>
+                  </p:par>
+                  <p:par>
+                    <p:cTn id="10" fill="hold">
+                      <p:stCondLst>
+                        <p:cond delay="indefinite"/>
+                      </p:stCondLst>
+                      <p:childTnLst>
+                        <p:par>
+                          <p:cTn id="11" fill="hold">
+                            <p:stCondLst>
+                              <p:cond delay="0"/>
+                            </p:stCondLst>
+                            <p:childTnLst>
+                              <p:par>
+                                <p:cTn id="12" presetID="42" presetClass="entr" presetSubtype="0" fill="hold" grpId="0" nodeType="clickEffect">
+                                  <p:stCondLst>
+                                    <p:cond delay="0"/>
+                                  </p:stCondLst>
+                                  <p:childTnLst>
+                                    <p:set>
+                                      <p:cBhvr>
+                                        <p:cTn id="13" dur="1" fill="hold">
+                                          <p:stCondLst>
+                                            <p:cond delay="0"/>
+                                          </p:stCondLst>
+                                        </p:cTn>
+                                        <p:tgtEl>
+                                          <p:spTgt spid="3">
+                                            <p:txEl>
+                                              <p:pRg st="1" end="1"/>
+                                            </p:txEl>
+                                          </p:spTgt>
+                                        </p:tgtEl>
+                                        <p:attrNameLst>
+                                          <p:attrName>style.visibility</p:attrName>
+                                        </p:attrNameLst>
+                                      </p:cBhvr>
+                                      <p:to>
+                                        <p:strVal val="visible"/>
+                                      </p:to>
+                                    </p:set>
+                                    <p:animEffect transition="in" filter="fade">
+                                      <p:cBhvr>
+                                        <p:cTn id="14" dur="1000"/>
+                                        <p:tgtEl>
+                                          <p:spTgt spid="3">
+                                            <p:txEl>
+                                              <p:pRg st="1" end="1"/>
+                                            </p:txEl>
+                                          </p:spTgt>
+                                        </p:tgtEl>
+                                      </p:cBhvr>
+                                    </p:animEffect>
+                                    <p:anim calcmode="lin" valueType="num">
+                                      <p:cBhvr>
+                                        <p:cTn id="15" dur="1000" fill="hold"/>
+                                        <p:tgtEl>
+                                          <p:spTgt spid="3">
+                                            <p:txEl>
+                                              <p:pRg st="1" end="1"/>
+                                            </p:txEl>
+                                          </p:spTgt>
+                                        </p:tgtEl>
+                                        <p:attrNameLst>
+                                          <p:attrName>ppt_x</p:attrName>
+                                        </p:attrNameLst>
+                                      </p:cBhvr>
+                                      <p:tavLst>
+                                        <p:tav tm="0">
+                                          <p:val>
+                                            <p:strVal val="#ppt_x"/>
+                                          </p:val>
+                                        </p:tav>
+                                        <p:tav tm="100000">
+                                          <p:val>
+                                            <p:strVal val="#ppt_x"/>
+                                          </p:val>
+                                        </p:tav>
+                                      </p:tavLst>
+                                    </p:anim>
+                                    <p:anim calcmode="lin" valueType="num">
+                                      <p:cBhvr>
+                                        <p:cTn id="16" dur="1000" fill="hold"/>
+                                        <p:tgtEl>
+                                          <p:spTgt spid="3">
+                                            <p:txEl>
+                                              <p:pRg st="1" end="1"/>
+                                            </p:txEl>
+                                          </p:spTgt>
+                                        </p:tgtEl>
+                                        <p:attrNameLst>
+                                          <p:attrName>ppt_y</p:attrName>
+                                        </p:attrNameLst>
+                                      </p:cBhvr>
+                                      <p:tavLst>
+                                        <p:tav tm="0">
+                                          <p:val>
+                                            <p:strVal val="#ppt_y+.1"/>
+                                          </p:val>
+                                        </p:tav>
+                                        <p:tav tm="100000">
+                                          <p:val>
+                                            <p:strVal val="#ppt_y"/>
+                                          </p:val>
+                                        </p:tav>
+                                      </p:tavLst>
+                                    </p:anim>
+                                  </p:childTnLst>
+                                </p:cTn>
+                              </p:par>
+                            </p:childTnLst>
+                          </p:cTn>
+                        </p:par>
+                      </p:childTnLst>
+                    </p:cTn>
+                  </p:par>
+                  <p:par>
+                    <p:cTn id="17" fill="hold">
+                      <p:stCondLst>
+                        <p:cond delay="indefinite"/>
+                      </p:stCondLst>
+                      <p:childTnLst>
+                        <p:par>
+                          <p:cTn id="18" fill="hold">
+                            <p:stCondLst>
+                              <p:cond delay="0"/>
+                            </p:stCondLst>
+                            <p:childTnLst>
+                              <p:par>
+                                <p:cTn id="19" presetID="42" presetClass="entr" presetSubtype="0" fill="hold" grpId="0" nodeType="clickEffect">
+                                  <p:stCondLst>
+                                    <p:cond delay="0"/>
+                                  </p:stCondLst>
+                                  <p:childTnLst>
+                                    <p:set>
+                                      <p:cBhvr>
+                                        <p:cTn id="20" dur="1" fill="hold">
+                                          <p:stCondLst>
+                                            <p:cond delay="0"/>
+                                          </p:stCondLst>
+                                        </p:cTn>
+                                        <p:tgtEl>
+                                          <p:spTgt spid="3">
+                                            <p:txEl>
+                                              <p:pRg st="2" end="2"/>
+                                            </p:txEl>
+                                          </p:spTgt>
+                                        </p:tgtEl>
+                                        <p:attrNameLst>
+                                          <p:attrName>style.visibility</p:attrName>
+                                        </p:attrNameLst>
+                                      </p:cBhvr>
+                                      <p:to>
+                                        <p:strVal val="visible"/>
+                                      </p:to>
+                                    </p:set>
+                                    <p:animEffect transition="in" filter="fade">
+                                      <p:cBhvr>
+                                        <p:cTn id="21" dur="1000"/>
+                                        <p:tgtEl>
+                                          <p:spTgt spid="3">
+                                            <p:txEl>
+                                              <p:pRg st="2" end="2"/>
+                                            </p:txEl>
+                                          </p:spTgt>
+                                        </p:tgtEl>
+                                      </p:cBhvr>
+                                    </p:animEffect>
+                                    <p:anim calcmode="lin" valueType="num">
+                                      <p:cBhvr>
+                                        <p:cTn id="22" dur="1000" fill="hold"/>
+                                        <p:tgtEl>
+                                          <p:spTgt spid="3">
+                                            <p:txEl>
+                                              <p:pRg st="2" end="2"/>
+                                            </p:txEl>
+                                          </p:spTgt>
+                                        </p:tgtEl>
+                                        <p:attrNameLst>
+                                          <p:attrName>ppt_x</p:attrName>
+                                        </p:attrNameLst>
+                                      </p:cBhvr>
+                                      <p:tavLst>
+                                        <p:tav tm="0">
+                                          <p:val>
+                                            <p:strVal val="#ppt_x"/>
+                                          </p:val>
+                                        </p:tav>
+                                        <p:tav tm="100000">
+                                          <p:val>
+                                            <p:strVal val="#ppt_x"/>
+                                          </p:val>
+                                        </p:tav>
+                                      </p:tavLst>
+                                    </p:anim>
+                                    <p:anim calcmode="lin" valueType="num">
+                                      <p:cBhvr>
+                                        <p:cTn id="23" dur="1000" fill="hold"/>
+                                        <p:tgtEl>
+                                          <p:spTgt spid="3">
+                                            <p:txEl>
+                                              <p:pRg st="2" end="2"/>
+                                            </p:txEl>
+                                          </p:spTgt>
+                                        </p:tgtEl>
+                                        <p:attrNameLst>
+                                          <p:attrName>ppt_y</p:attrName>
+                                        </p:attrNameLst>
+                                      </p:cBhvr>
+                                      <p:tavLst>
+                                        <p:tav tm="0">
+                                          <p:val>
+                                            <p:strVal val="#ppt_y+.1"/>
+                                          </p:val>
+                                        </p:tav>
+                                        <p:tav tm="100000">
+                                          <p:val>
+                                            <p:strVal val="#ppt_y"/>
+                                          </p:val>
+                                        </p:tav>
+                                      </p:tavLst>
+                                    </p:anim>
+                                  </p:childTnLst>
+                                </p:cTn>
+                              </p:par>
+                            </p:childTnLst>
+                          </p:cTn>
+                        </p:par>
+                      </p:childTnLst>
+                    </p:cTn>
+                  </p:par>
+                  <p:par>
+                    <p:cTn id="24" fill="hold">
+                      <p:stCondLst>
+                        <p:cond delay="indefinite"/>
+                      </p:stCondLst>
+                      <p:childTnLst>
+                        <p:par>
+                          <p:cTn id="25" fill="hold">
+                            <p:stCondLst>
+                              <p:cond delay="0"/>
+                            </p:stCondLst>
+                            <p:childTnLst>
+                              <p:par>
+                                <p:cTn id="26" presetID="42" presetClass="entr" presetSubtype="0" fill="hold" grpId="0" nodeType="clickEffect">
+                                  <p:stCondLst>
+                                    <p:cond delay="0"/>
+                                  </p:stCondLst>
+                                  <p:childTnLst>
+                                    <p:set>
+                                      <p:cBhvr>
+                                        <p:cTn id="27" dur="1" fill="hold">
+                                          <p:stCondLst>
+                                            <p:cond delay="0"/>
+                                          </p:stCondLst>
+                                        </p:cTn>
+                                        <p:tgtEl>
+                                          <p:spTgt spid="3">
+                                            <p:txEl>
+                                              <p:pRg st="3" end="3"/>
+                                            </p:txEl>
+                                          </p:spTgt>
+                                        </p:tgtEl>
+                                        <p:attrNameLst>
+                                          <p:attrName>style.visibility</p:attrName>
+                                        </p:attrNameLst>
+                                      </p:cBhvr>
+                                      <p:to>
+                                        <p:strVal val="visible"/>
+                                      </p:to>
+                                    </p:set>
+                                    <p:animEffect transition="in" filter="fade">
+                                      <p:cBhvr>
+                                        <p:cTn id="28" dur="1000"/>
+                                        <p:tgtEl>
+                                          <p:spTgt spid="3">
+                                            <p:txEl>
+                                              <p:pRg st="3" end="3"/>
+                                            </p:txEl>
+                                          </p:spTgt>
+                                        </p:tgtEl>
+                                      </p:cBhvr>
+                                    </p:animEffect>
+                                    <p:anim calcmode="lin" valueType="num">
+                                      <p:cBhvr>
+                                        <p:cTn id="29" dur="1000" fill="hold"/>
+                                        <p:tgtEl>
+                                          <p:spTgt spid="3">
+                                            <p:txEl>
+                                              <p:pRg st="3" end="3"/>
+                                            </p:txEl>
+                                          </p:spTgt>
+                                        </p:tgtEl>
+                                        <p:attrNameLst>
+                                          <p:attrName>ppt_x</p:attrName>
+                                        </p:attrNameLst>
+                                      </p:cBhvr>
+                                      <p:tavLst>
+                                        <p:tav tm="0">
+                                          <p:val>
+                                            <p:strVal val="#ppt_x"/>
+                                          </p:val>
+                                        </p:tav>
+                                        <p:tav tm="100000">
+                                          <p:val>
+                                            <p:strVal val="#ppt_x"/>
+                                          </p:val>
+                                        </p:tav>
+                                      </p:tavLst>
+                                    </p:anim>
+                                    <p:anim calcmode="lin" valueType="num">
+                                      <p:cBhvr>
+                                        <p:cTn id="30" dur="1000" fill="hold"/>
+                                        <p:tgtEl>
+                                          <p:spTgt spid="3">
+                                            <p:txEl>
+                                              <p:pRg st="3" end="3"/>
+                                            </p:txEl>
+                                          </p:spTgt>
+                                        </p:tgtEl>
+                                        <p:attrNameLst>
+                                          <p:attrName>ppt_y</p:attrName>
+                                        </p:attrNameLst>
+                                      </p:cBhvr>
+                                      <p:tavLst>
+                                        <p:tav tm="0">
+                                          <p:val>
+                                            <p:strVal val="#ppt_y+.1"/>
+                                          </p:val>
+                                        </p:tav>
+                                        <p:tav tm="100000">
+                                          <p:val>
+                                            <p:strVal val="#ppt_y"/>
+                                          </p:val>
+                                        </p:tav>
+                                      </p:tavLst>
+                                    </p:anim>
+                                  </p:childTnLst>
+                                </p:cTn>
+                              </p:par>
+                            </p:childTnLst>
+                          </p:cTn>
+                        </p:par>
+                      </p:childTnLst>
+                    </p:cTn>
+                  </p:par>
+                  <p:par>
+                    <p:cTn id="31" fill="hold">
+                      <p:stCondLst>
+                        <p:cond delay="indefinite"/>
+                      </p:stCondLst>
+                      <p:childTnLst>
+                        <p:par>
+                          <p:cTn id="32" fill="hold">
+                            <p:stCondLst>
+                              <p:cond delay="0"/>
+                            </p:stCondLst>
+                            <p:childTnLst>
+                              <p:par>
+                                <p:cTn id="33" presetID="42" presetClass="entr" presetSubtype="0" fill="hold" grpId="0" nodeType="clickEffect">
+                                  <p:stCondLst>
+                                    <p:cond delay="0"/>
+                                  </p:stCondLst>
+                                  <p:childTnLst>
+                                    <p:set>
+                                      <p:cBhvr>
+                                        <p:cTn id="34" dur="1" fill="hold">
+                                          <p:stCondLst>
+                                            <p:cond delay="0"/>
+                                          </p:stCondLst>
+                                        </p:cTn>
+                                        <p:tgtEl>
+                                          <p:spTgt spid="3">
+                                            <p:txEl>
+                                              <p:pRg st="4" end="4"/>
+                                            </p:txEl>
+                                          </p:spTgt>
+                                        </p:tgtEl>
+                                        <p:attrNameLst>
+                                          <p:attrName>style.visibility</p:attrName>
+                                        </p:attrNameLst>
+                                      </p:cBhvr>
+                                      <p:to>
+                                        <p:strVal val="visible"/>
+                                      </p:to>
+                                    </p:set>
+                                    <p:animEffect transition="in" filter="fade">
+                                      <p:cBhvr>
+                                        <p:cTn id="35" dur="1000"/>
+                                        <p:tgtEl>
+                                          <p:spTgt spid="3">
+                                            <p:txEl>
+                                              <p:pRg st="4" end="4"/>
+                                            </p:txEl>
+                                          </p:spTgt>
+                                        </p:tgtEl>
+                                      </p:cBhvr>
+                                    </p:animEffect>
+                                    <p:anim calcmode="lin" valueType="num">
+                                      <p:cBhvr>
+                                        <p:cTn id="36" dur="1000" fill="hold"/>
+                                        <p:tgtEl>
+                                          <p:spTgt spid="3">
+                                            <p:txEl>
+                                              <p:pRg st="4" end="4"/>
+                                            </p:txEl>
+                                          </p:spTgt>
+                                        </p:tgtEl>
+                                        <p:attrNameLst>
+                                          <p:attrName>ppt_x</p:attrName>
+                                        </p:attrNameLst>
+                                      </p:cBhvr>
+                                      <p:tavLst>
+                                        <p:tav tm="0">
+                                          <p:val>
+                                            <p:strVal val="#ppt_x"/>
+                                          </p:val>
+                                        </p:tav>
+                                        <p:tav tm="100000">
+                                          <p:val>
+                                            <p:strVal val="#ppt_x"/>
+                                          </p:val>
+                                        </p:tav>
+                                      </p:tavLst>
+                                    </p:anim>
+                                    <p:anim calcmode="lin" valueType="num">
+                                      <p:cBhvr>
+                                        <p:cTn id="37" dur="1000" fill="hold"/>
+                                        <p:tgtEl>
+                                          <p:spTgt spid="3">
+                                            <p:txEl>
+                                              <p:pRg st="4" end="4"/>
                                             </p:txEl>
                                           </p:spTgt>
                                         </p:tgtEl>
@@ -9171,11 +10475,7 @@
             </a:pPr>
             <a:r>
               <a:rPr lang="en-US" dirty="0" smtClean="0"/>
-              <a:t>Assistant </a:t>
-            </a:r>
-            <a:r>
-              <a:rPr lang="en-US" dirty="0" smtClean="0"/>
-              <a:t>Programmer</a:t>
+              <a:t>Assistant Programmer</a:t>
             </a:r>
           </a:p>
           <a:p>
@@ -9187,7 +10487,6 @@
               <a:rPr lang="en-US" dirty="0" smtClean="0"/>
               <a:t>Assistant Documenter</a:t>
             </a:r>
-            <a:endParaRPr lang="en-US" dirty="0" smtClean="0"/>
           </a:p>
         </p:txBody>
       </p:sp>
@@ -9779,11 +11078,7 @@
             </a:pPr>
             <a:r>
               <a:rPr lang="en-US" dirty="0" smtClean="0"/>
-              <a:t>Assistant Records </a:t>
-            </a:r>
-            <a:r>
-              <a:rPr lang="en-US" dirty="0" smtClean="0"/>
-              <a:t>Keeper</a:t>
+              <a:t>Assistant Records Keeper</a:t>
             </a:r>
           </a:p>
           <a:p>
@@ -10386,11 +11681,7 @@
             </a:pPr>
             <a:r>
               <a:rPr lang="en-US" dirty="0" smtClean="0"/>
-              <a:t>Lead Technical </a:t>
-            </a:r>
-            <a:r>
-              <a:rPr lang="en-US" dirty="0" smtClean="0"/>
-              <a:t>Advisor</a:t>
+              <a:t>Lead Technical Advisor</a:t>
             </a:r>
           </a:p>
           <a:p>

--- a/PizzaWarz.pptx
+++ b/PizzaWarz.pptx
@@ -11,8 +11,8 @@
     <p:sldId id="257" r:id="rId2"/>
     <p:sldId id="258" r:id="rId3"/>
     <p:sldId id="259" r:id="rId4"/>
-    <p:sldId id="260" r:id="rId5"/>
-    <p:sldId id="261" r:id="rId6"/>
+    <p:sldId id="261" r:id="rId5"/>
+    <p:sldId id="260" r:id="rId6"/>
     <p:sldId id="262" r:id="rId7"/>
     <p:sldId id="263" r:id="rId8"/>
     <p:sldId id="264" r:id="rId9"/>
@@ -224,7 +224,7 @@
           <a:p>
             <a:fld id="{96787BD6-5DE9-4CB9-A40D-CD71FF810801}" type="datetimeFigureOut">
               <a:rPr lang="en-US" smtClean="0"/>
-              <a:t>2/2/2017</a:t>
+              <a:t>2/6/2017</a:t>
             </a:fld>
             <a:endParaRPr lang="en-US"/>
           </a:p>
@@ -1292,34 +1292,6 @@
           <a:bodyPr/>
           <a:lstStyle/>
           <a:p>
-            <a:pPr marL="0" marR="0" indent="0" algn="l" defTabSz="914400" rtl="0" eaLnBrk="1" fontAlgn="auto" latinLnBrk="0" hangingPunct="1">
-              <a:lnSpc>
-                <a:spcPct val="100000"/>
-              </a:lnSpc>
-              <a:spcBef>
-                <a:spcPts val="0"/>
-              </a:spcBef>
-              <a:spcAft>
-                <a:spcPts val="0"/>
-              </a:spcAft>
-              <a:buClrTx/>
-              <a:buSzTx/>
-              <a:buFontTx/>
-              <a:buNone/>
-              <a:tabLst/>
-              <a:defRPr/>
-            </a:pPr>
-            <a:r>
-              <a:rPr lang="en-US" dirty="0" smtClean="0"/>
-              <a:t>Thank</a:t>
-            </a:r>
-            <a:r>
-              <a:rPr lang="en-US" baseline="0" dirty="0" smtClean="0"/>
-              <a:t> you Cheryl. Rincy lets hear about you, your role in the game and significate contributions.</a:t>
-            </a:r>
-            <a:endParaRPr lang="en-US" dirty="0" smtClean="0"/>
-          </a:p>
-          <a:p>
             <a:endParaRPr lang="en-US" dirty="0"/>
           </a:p>
         </p:txBody>
@@ -1350,7 +1322,7 @@
     </p:spTree>
     <p:extLst>
       <p:ext uri="{BB962C8B-B14F-4D97-AF65-F5344CB8AC3E}">
-        <p14:creationId xmlns:p14="http://schemas.microsoft.com/office/powerpoint/2010/main" val="3270361964"/>
+        <p14:creationId xmlns:p14="http://schemas.microsoft.com/office/powerpoint/2010/main" val="1216191635"/>
       </p:ext>
     </p:extLst>
   </p:cSld>
@@ -1404,6 +1376,34 @@
           <a:bodyPr/>
           <a:lstStyle/>
           <a:p>
+            <a:pPr marL="0" marR="0" indent="0" algn="l" defTabSz="914400" rtl="0" eaLnBrk="1" fontAlgn="auto" latinLnBrk="0" hangingPunct="1">
+              <a:lnSpc>
+                <a:spcPct val="100000"/>
+              </a:lnSpc>
+              <a:spcBef>
+                <a:spcPts val="0"/>
+              </a:spcBef>
+              <a:spcAft>
+                <a:spcPts val="0"/>
+              </a:spcAft>
+              <a:buClrTx/>
+              <a:buSzTx/>
+              <a:buFontTx/>
+              <a:buNone/>
+              <a:tabLst/>
+              <a:defRPr/>
+            </a:pPr>
+            <a:r>
+              <a:rPr lang="en-US" dirty="0" smtClean="0"/>
+              <a:t>Thank</a:t>
+            </a:r>
+            <a:r>
+              <a:rPr lang="en-US" baseline="0" dirty="0" smtClean="0"/>
+              <a:t> you Cheryl. Rincy lets hear about you, your role in the game and significate contributions.</a:t>
+            </a:r>
+            <a:endParaRPr lang="en-US" dirty="0" smtClean="0"/>
+          </a:p>
+          <a:p>
             <a:endParaRPr lang="en-US" dirty="0"/>
           </a:p>
         </p:txBody>
@@ -1434,7 +1434,7 @@
     </p:spTree>
     <p:extLst>
       <p:ext uri="{BB962C8B-B14F-4D97-AF65-F5344CB8AC3E}">
-        <p14:creationId xmlns:p14="http://schemas.microsoft.com/office/powerpoint/2010/main" val="1216191635"/>
+        <p14:creationId xmlns:p14="http://schemas.microsoft.com/office/powerpoint/2010/main" val="3270361964"/>
       </p:ext>
     </p:extLst>
   </p:cSld>
@@ -1960,7 +1960,7 @@
           <a:p>
             <a:fld id="{ECB0E4CC-E83B-43A7-8724-8FD5E692F835}" type="datetimeFigureOut">
               <a:rPr lang="en-US" smtClean="0"/>
-              <a:t>2/2/2017</a:t>
+              <a:t>2/6/2017</a:t>
             </a:fld>
             <a:endParaRPr lang="en-US" dirty="0"/>
           </a:p>
@@ -2130,7 +2130,7 @@
           <a:p>
             <a:fld id="{ECB0E4CC-E83B-43A7-8724-8FD5E692F835}" type="datetimeFigureOut">
               <a:rPr lang="en-US" smtClean="0"/>
-              <a:t>2/2/2017</a:t>
+              <a:t>2/6/2017</a:t>
             </a:fld>
             <a:endParaRPr lang="en-US" dirty="0"/>
           </a:p>
@@ -2310,7 +2310,7 @@
           <a:p>
             <a:fld id="{ECB0E4CC-E83B-43A7-8724-8FD5E692F835}" type="datetimeFigureOut">
               <a:rPr lang="en-US" smtClean="0"/>
-              <a:t>2/2/2017</a:t>
+              <a:t>2/6/2017</a:t>
             </a:fld>
             <a:endParaRPr lang="en-US" dirty="0"/>
           </a:p>
@@ -2480,7 +2480,7 @@
           <a:p>
             <a:fld id="{ECB0E4CC-E83B-43A7-8724-8FD5E692F835}" type="datetimeFigureOut">
               <a:rPr lang="en-US" smtClean="0"/>
-              <a:t>2/2/2017</a:t>
+              <a:t>2/6/2017</a:t>
             </a:fld>
             <a:endParaRPr lang="en-US" dirty="0"/>
           </a:p>
@@ -2733,7 +2733,7 @@
           <a:p>
             <a:fld id="{ECB0E4CC-E83B-43A7-8724-8FD5E692F835}" type="datetimeFigureOut">
               <a:rPr lang="en-US" smtClean="0"/>
-              <a:t>2/2/2017</a:t>
+              <a:t>2/6/2017</a:t>
             </a:fld>
             <a:endParaRPr lang="en-US" dirty="0"/>
           </a:p>
@@ -2965,7 +2965,7 @@
           <a:p>
             <a:fld id="{ECB0E4CC-E83B-43A7-8724-8FD5E692F835}" type="datetimeFigureOut">
               <a:rPr lang="en-US" smtClean="0"/>
-              <a:t>2/2/2017</a:t>
+              <a:t>2/6/2017</a:t>
             </a:fld>
             <a:endParaRPr lang="en-US" dirty="0"/>
           </a:p>
@@ -3332,7 +3332,7 @@
           <a:p>
             <a:fld id="{ECB0E4CC-E83B-43A7-8724-8FD5E692F835}" type="datetimeFigureOut">
               <a:rPr lang="en-US" smtClean="0"/>
-              <a:t>2/2/2017</a:t>
+              <a:t>2/6/2017</a:t>
             </a:fld>
             <a:endParaRPr lang="en-US" dirty="0"/>
           </a:p>
@@ -3450,7 +3450,7 @@
           <a:p>
             <a:fld id="{ECB0E4CC-E83B-43A7-8724-8FD5E692F835}" type="datetimeFigureOut">
               <a:rPr lang="en-US" smtClean="0"/>
-              <a:t>2/2/2017</a:t>
+              <a:t>2/6/2017</a:t>
             </a:fld>
             <a:endParaRPr lang="en-US" dirty="0"/>
           </a:p>
@@ -3545,7 +3545,7 @@
           <a:p>
             <a:fld id="{ECB0E4CC-E83B-43A7-8724-8FD5E692F835}" type="datetimeFigureOut">
               <a:rPr lang="en-US" smtClean="0"/>
-              <a:t>2/2/2017</a:t>
+              <a:t>2/6/2017</a:t>
             </a:fld>
             <a:endParaRPr lang="en-US" dirty="0"/>
           </a:p>
@@ -3822,7 +3822,7 @@
           <a:p>
             <a:fld id="{ECB0E4CC-E83B-43A7-8724-8FD5E692F835}" type="datetimeFigureOut">
               <a:rPr lang="en-US" smtClean="0"/>
-              <a:t>2/2/2017</a:t>
+              <a:t>2/6/2017</a:t>
             </a:fld>
             <a:endParaRPr lang="en-US" dirty="0"/>
           </a:p>
@@ -4075,7 +4075,7 @@
           <a:p>
             <a:fld id="{ECB0E4CC-E83B-43A7-8724-8FD5E692F835}" type="datetimeFigureOut">
               <a:rPr lang="en-US" smtClean="0"/>
-              <a:t>2/2/2017</a:t>
+              <a:t>2/6/2017</a:t>
             </a:fld>
             <a:endParaRPr lang="en-US" dirty="0"/>
           </a:p>
@@ -4288,7 +4288,7 @@
           <a:p>
             <a:fld id="{ECB0E4CC-E83B-43A7-8724-8FD5E692F835}" type="datetimeFigureOut">
               <a:rPr lang="en-US" smtClean="0"/>
-              <a:t>2/2/2017</a:t>
+              <a:t>2/6/2017</a:t>
             </a:fld>
             <a:endParaRPr lang="en-US" dirty="0"/>
           </a:p>
@@ -7123,13 +7123,8 @@
             </a:pPr>
             <a:r>
               <a:rPr lang="en-US" dirty="0" smtClean="0"/>
-              <a:t>Hand Drawn </a:t>
-            </a:r>
-            <a:r>
-              <a:rPr lang="en-US" dirty="0" smtClean="0"/>
-              <a:t>Sprites</a:t>
-            </a:r>
-            <a:endParaRPr lang="en-US" dirty="0" smtClean="0"/>
+              <a:t>Hand Drawn Sprites</a:t>
+            </a:r>
           </a:p>
           <a:p>
             <a:pPr>
@@ -7160,7 +7155,6 @@
               <a:rPr lang="en-US" dirty="0" smtClean="0"/>
               <a:t>Vehicles Spawned</a:t>
             </a:r>
-            <a:endParaRPr lang="en-US" dirty="0" smtClean="0"/>
           </a:p>
           <a:p>
             <a:pPr>
@@ -7181,7 +7175,6 @@
               <a:rPr lang="en-US" dirty="0" smtClean="0"/>
               <a:t>Radio</a:t>
             </a:r>
-            <a:endParaRPr lang="en-US" dirty="0" smtClean="0"/>
           </a:p>
           <a:p>
             <a:pPr>
@@ -7190,13 +7183,8 @@
             </a:pPr>
             <a:r>
               <a:rPr lang="en-US" dirty="0" smtClean="0"/>
-              <a:t>Music Sound </a:t>
-            </a:r>
-            <a:r>
-              <a:rPr lang="en-US" dirty="0" smtClean="0"/>
-              <a:t>Map</a:t>
-            </a:r>
-            <a:endParaRPr lang="en-US" dirty="0" smtClean="0"/>
+              <a:t>Music Sound Map</a:t>
+            </a:r>
           </a:p>
           <a:p>
             <a:pPr>
@@ -7205,13 +7193,8 @@
             </a:pPr>
             <a:r>
               <a:rPr lang="en-US" dirty="0" smtClean="0"/>
-              <a:t>Game Flow </a:t>
-            </a:r>
-            <a:r>
-              <a:rPr lang="en-US" dirty="0" smtClean="0"/>
-              <a:t>Map</a:t>
-            </a:r>
-            <a:endParaRPr lang="en-US" dirty="0" smtClean="0"/>
+              <a:t>Game Flow Map</a:t>
+            </a:r>
           </a:p>
           <a:p>
             <a:pPr>
@@ -8260,11 +8243,7 @@
             </a:pPr>
             <a:r>
               <a:rPr lang="en-US" dirty="0" smtClean="0"/>
-              <a:t>What Went </a:t>
-            </a:r>
-            <a:r>
-              <a:rPr lang="en-US" dirty="0" smtClean="0"/>
-              <a:t>Wrong</a:t>
+              <a:t>What Went Wrong</a:t>
             </a:r>
           </a:p>
           <a:p>
@@ -9114,11 +9093,7 @@
             </a:pPr>
             <a:r>
               <a:rPr lang="en-US" dirty="0" smtClean="0"/>
-              <a:t>What Went </a:t>
-            </a:r>
-            <a:r>
-              <a:rPr lang="en-US" dirty="0" smtClean="0"/>
-              <a:t>Right</a:t>
+              <a:t>What Went Right</a:t>
             </a:r>
           </a:p>
           <a:p>
@@ -11031,7 +11006,7 @@
             <a:pPr algn="ctr"/>
             <a:r>
               <a:rPr lang="en-US" dirty="0" smtClean="0"/>
-              <a:t>Cheryl Heinrichs</a:t>
+              <a:t>Rincy Mary Varghese</a:t>
             </a:r>
             <a:endParaRPr lang="en-US" dirty="0"/>
           </a:p>
@@ -11058,7 +11033,7 @@
             </a:pPr>
             <a:r>
               <a:rPr lang="en-US" dirty="0" smtClean="0"/>
-              <a:t>Business Analyst</a:t>
+              <a:t>Lead Programmer</a:t>
             </a:r>
           </a:p>
           <a:p>
@@ -11068,17 +11043,7 @@
             </a:pPr>
             <a:r>
               <a:rPr lang="en-US" dirty="0" smtClean="0"/>
-              <a:t>Assistant Graphic Designer</a:t>
-            </a:r>
-          </a:p>
-          <a:p>
-            <a:pPr>
-              <a:buFont typeface="Wingdings" panose="05000000000000000000" pitchFamily="2" charset="2"/>
-              <a:buChar char="Ø"/>
-            </a:pPr>
-            <a:r>
-              <a:rPr lang="en-US" dirty="0" smtClean="0"/>
-              <a:t>Assistant Records Keeper</a:t>
+              <a:t>Lead Technical Advisor</a:t>
             </a:r>
           </a:p>
           <a:p>
@@ -11099,6 +11064,9 @@
             <a:endParaRPr lang="en-US" dirty="0" smtClean="0"/>
           </a:p>
           <a:p>
+            <a:endParaRPr lang="en-US" dirty="0" smtClean="0"/>
+          </a:p>
+          <a:p>
             <a:endParaRPr lang="en-US" dirty="0"/>
           </a:p>
         </p:txBody>
@@ -11106,7 +11074,7 @@
     </p:spTree>
     <p:extLst>
       <p:ext uri="{BB962C8B-B14F-4D97-AF65-F5344CB8AC3E}">
-        <p14:creationId xmlns:p14="http://schemas.microsoft.com/office/powerpoint/2010/main" val="1024963068"/>
+        <p14:creationId xmlns:p14="http://schemas.microsoft.com/office/powerpoint/2010/main" val="1959593442"/>
       </p:ext>
     </p:extLst>
   </p:cSld>
@@ -11437,121 +11405,6 @@
                                           <p:spTgt spid="3">
                                             <p:txEl>
                                               <p:pRg st="2" end="2"/>
-                                            </p:txEl>
-                                          </p:spTgt>
-                                        </p:tgtEl>
-                                        <p:attrNameLst>
-                                          <p:attrName>ppt_y</p:attrName>
-                                        </p:attrNameLst>
-                                      </p:cBhvr>
-                                      <p:tavLst>
-                                        <p:tav tm="0">
-                                          <p:val>
-                                            <p:strVal val="#ppt_y+.1"/>
-                                          </p:val>
-                                        </p:tav>
-                                        <p:tav tm="100000">
-                                          <p:val>
-                                            <p:strVal val="#ppt_y"/>
-                                          </p:val>
-                                        </p:tav>
-                                      </p:tavLst>
-                                    </p:anim>
-                                  </p:childTnLst>
-                                </p:cTn>
-                              </p:par>
-                            </p:childTnLst>
-                          </p:cTn>
-                        </p:par>
-                      </p:childTnLst>
-                    </p:cTn>
-                  </p:par>
-                  <p:par>
-                    <p:cTn id="24" fill="hold">
-                      <p:stCondLst>
-                        <p:cond delay="indefinite"/>
-                      </p:stCondLst>
-                      <p:childTnLst>
-                        <p:par>
-                          <p:cTn id="25" fill="hold">
-                            <p:stCondLst>
-                              <p:cond delay="0"/>
-                            </p:stCondLst>
-                            <p:childTnLst>
-                              <p:par>
-                                <p:cTn id="26" presetID="42" presetClass="entr" presetSubtype="0" fill="hold" grpId="0" nodeType="clickEffect">
-                                  <p:stCondLst>
-                                    <p:cond delay="0"/>
-                                  </p:stCondLst>
-                                  <p:childTnLst>
-                                    <p:set>
-                                      <p:cBhvr>
-                                        <p:cTn id="27" dur="1" fill="hold">
-                                          <p:stCondLst>
-                                            <p:cond delay="0"/>
-                                          </p:stCondLst>
-                                        </p:cTn>
-                                        <p:tgtEl>
-                                          <p:spTgt spid="3">
-                                            <p:txEl>
-                                              <p:pRg st="3" end="3"/>
-                                            </p:txEl>
-                                          </p:spTgt>
-                                        </p:tgtEl>
-                                        <p:attrNameLst>
-                                          <p:attrName>style.visibility</p:attrName>
-                                        </p:attrNameLst>
-                                      </p:cBhvr>
-                                      <p:to>
-                                        <p:strVal val="visible"/>
-                                      </p:to>
-                                    </p:set>
-                                    <p:animEffect transition="in" filter="fade">
-                                      <p:cBhvr>
-                                        <p:cTn id="28" dur="1000"/>
-                                        <p:tgtEl>
-                                          <p:spTgt spid="3">
-                                            <p:txEl>
-                                              <p:pRg st="3" end="3"/>
-                                            </p:txEl>
-                                          </p:spTgt>
-                                        </p:tgtEl>
-                                      </p:cBhvr>
-                                    </p:animEffect>
-                                    <p:anim calcmode="lin" valueType="num">
-                                      <p:cBhvr>
-                                        <p:cTn id="29" dur="1000" fill="hold"/>
-                                        <p:tgtEl>
-                                          <p:spTgt spid="3">
-                                            <p:txEl>
-                                              <p:pRg st="3" end="3"/>
-                                            </p:txEl>
-                                          </p:spTgt>
-                                        </p:tgtEl>
-                                        <p:attrNameLst>
-                                          <p:attrName>ppt_x</p:attrName>
-                                        </p:attrNameLst>
-                                      </p:cBhvr>
-                                      <p:tavLst>
-                                        <p:tav tm="0">
-                                          <p:val>
-                                            <p:strVal val="#ppt_x"/>
-                                          </p:val>
-                                        </p:tav>
-                                        <p:tav tm="100000">
-                                          <p:val>
-                                            <p:strVal val="#ppt_x"/>
-                                          </p:val>
-                                        </p:tav>
-                                      </p:tavLst>
-                                    </p:anim>
-                                    <p:anim calcmode="lin" valueType="num">
-                                      <p:cBhvr>
-                                        <p:cTn id="30" dur="1000" fill="hold"/>
-                                        <p:tgtEl>
-                                          <p:spTgt spid="3">
-                                            <p:txEl>
-                                              <p:pRg st="3" end="3"/>
                                             </p:txEl>
                                           </p:spTgt>
                                         </p:tgtEl>
@@ -11644,7 +11497,7 @@
             <a:pPr algn="ctr"/>
             <a:r>
               <a:rPr lang="en-US" dirty="0" smtClean="0"/>
-              <a:t>Rincy Mary Varghese</a:t>
+              <a:t>Cheryl Heinrichs</a:t>
             </a:r>
             <a:endParaRPr lang="en-US" dirty="0"/>
           </a:p>
@@ -11671,7 +11524,7 @@
             </a:pPr>
             <a:r>
               <a:rPr lang="en-US" dirty="0" smtClean="0"/>
-              <a:t>Lead Programmer</a:t>
+              <a:t>Business Analyst</a:t>
             </a:r>
           </a:p>
           <a:p>
@@ -11681,7 +11534,17 @@
             </a:pPr>
             <a:r>
               <a:rPr lang="en-US" dirty="0" smtClean="0"/>
-              <a:t>Lead Technical Advisor</a:t>
+              <a:t>Assistant Graphic Designer</a:t>
+            </a:r>
+          </a:p>
+          <a:p>
+            <a:pPr>
+              <a:buFont typeface="Wingdings" panose="05000000000000000000" pitchFamily="2" charset="2"/>
+              <a:buChar char="Ø"/>
+            </a:pPr>
+            <a:r>
+              <a:rPr lang="en-US" dirty="0" smtClean="0"/>
+              <a:t>Assistant Records Keeper</a:t>
             </a:r>
           </a:p>
           <a:p>
@@ -11702,9 +11565,6 @@
             <a:endParaRPr lang="en-US" dirty="0" smtClean="0"/>
           </a:p>
           <a:p>
-            <a:endParaRPr lang="en-US" dirty="0" smtClean="0"/>
-          </a:p>
-          <a:p>
             <a:endParaRPr lang="en-US" dirty="0"/>
           </a:p>
         </p:txBody>
@@ -11712,7 +11572,7 @@
     </p:spTree>
     <p:extLst>
       <p:ext uri="{BB962C8B-B14F-4D97-AF65-F5344CB8AC3E}">
-        <p14:creationId xmlns:p14="http://schemas.microsoft.com/office/powerpoint/2010/main" val="1959593442"/>
+        <p14:creationId xmlns:p14="http://schemas.microsoft.com/office/powerpoint/2010/main" val="1024963068"/>
       </p:ext>
     </p:extLst>
   </p:cSld>
@@ -12043,6 +11903,121 @@
                                           <p:spTgt spid="3">
                                             <p:txEl>
                                               <p:pRg st="2" end="2"/>
+                                            </p:txEl>
+                                          </p:spTgt>
+                                        </p:tgtEl>
+                                        <p:attrNameLst>
+                                          <p:attrName>ppt_y</p:attrName>
+                                        </p:attrNameLst>
+                                      </p:cBhvr>
+                                      <p:tavLst>
+                                        <p:tav tm="0">
+                                          <p:val>
+                                            <p:strVal val="#ppt_y+.1"/>
+                                          </p:val>
+                                        </p:tav>
+                                        <p:tav tm="100000">
+                                          <p:val>
+                                            <p:strVal val="#ppt_y"/>
+                                          </p:val>
+                                        </p:tav>
+                                      </p:tavLst>
+                                    </p:anim>
+                                  </p:childTnLst>
+                                </p:cTn>
+                              </p:par>
+                            </p:childTnLst>
+                          </p:cTn>
+                        </p:par>
+                      </p:childTnLst>
+                    </p:cTn>
+                  </p:par>
+                  <p:par>
+                    <p:cTn id="24" fill="hold">
+                      <p:stCondLst>
+                        <p:cond delay="indefinite"/>
+                      </p:stCondLst>
+                      <p:childTnLst>
+                        <p:par>
+                          <p:cTn id="25" fill="hold">
+                            <p:stCondLst>
+                              <p:cond delay="0"/>
+                            </p:stCondLst>
+                            <p:childTnLst>
+                              <p:par>
+                                <p:cTn id="26" presetID="42" presetClass="entr" presetSubtype="0" fill="hold" grpId="0" nodeType="clickEffect">
+                                  <p:stCondLst>
+                                    <p:cond delay="0"/>
+                                  </p:stCondLst>
+                                  <p:childTnLst>
+                                    <p:set>
+                                      <p:cBhvr>
+                                        <p:cTn id="27" dur="1" fill="hold">
+                                          <p:stCondLst>
+                                            <p:cond delay="0"/>
+                                          </p:stCondLst>
+                                        </p:cTn>
+                                        <p:tgtEl>
+                                          <p:spTgt spid="3">
+                                            <p:txEl>
+                                              <p:pRg st="3" end="3"/>
+                                            </p:txEl>
+                                          </p:spTgt>
+                                        </p:tgtEl>
+                                        <p:attrNameLst>
+                                          <p:attrName>style.visibility</p:attrName>
+                                        </p:attrNameLst>
+                                      </p:cBhvr>
+                                      <p:to>
+                                        <p:strVal val="visible"/>
+                                      </p:to>
+                                    </p:set>
+                                    <p:animEffect transition="in" filter="fade">
+                                      <p:cBhvr>
+                                        <p:cTn id="28" dur="1000"/>
+                                        <p:tgtEl>
+                                          <p:spTgt spid="3">
+                                            <p:txEl>
+                                              <p:pRg st="3" end="3"/>
+                                            </p:txEl>
+                                          </p:spTgt>
+                                        </p:tgtEl>
+                                      </p:cBhvr>
+                                    </p:animEffect>
+                                    <p:anim calcmode="lin" valueType="num">
+                                      <p:cBhvr>
+                                        <p:cTn id="29" dur="1000" fill="hold"/>
+                                        <p:tgtEl>
+                                          <p:spTgt spid="3">
+                                            <p:txEl>
+                                              <p:pRg st="3" end="3"/>
+                                            </p:txEl>
+                                          </p:spTgt>
+                                        </p:tgtEl>
+                                        <p:attrNameLst>
+                                          <p:attrName>ppt_x</p:attrName>
+                                        </p:attrNameLst>
+                                      </p:cBhvr>
+                                      <p:tavLst>
+                                        <p:tav tm="0">
+                                          <p:val>
+                                            <p:strVal val="#ppt_x"/>
+                                          </p:val>
+                                        </p:tav>
+                                        <p:tav tm="100000">
+                                          <p:val>
+                                            <p:strVal val="#ppt_x"/>
+                                          </p:val>
+                                        </p:tav>
+                                      </p:tavLst>
+                                    </p:anim>
+                                    <p:anim calcmode="lin" valueType="num">
+                                      <p:cBhvr>
+                                        <p:cTn id="30" dur="1000" fill="hold"/>
+                                        <p:tgtEl>
+                                          <p:spTgt spid="3">
+                                            <p:txEl>
+                                              <p:pRg st="3" end="3"/>
                                             </p:txEl>
                                           </p:spTgt>
                                         </p:tgtEl>
@@ -13391,7 +13366,7 @@
         <p:spPr>
           <a:xfrm>
             <a:off x="3314700" y="1978025"/>
-            <a:ext cx="5260546" cy="1754326"/>
+            <a:ext cx="5260546" cy="2031325"/>
           </a:xfrm>
           <a:prstGeom prst="rect">
             <a:avLst/>
@@ -13406,7 +13381,24 @@
           <a:p>
             <a:r>
               <a:rPr lang="en-US" dirty="0" smtClean="0"/>
-              <a:t>It is the dawn of a new age in the civilized world. The convenience of having pizza so easy to deliver has created a lucrative business opportunity for many companies. Now there is a new pizza delivery company making moves, and they are taking no prisoners.</a:t>
+              <a:t>It is the dawn of a new age in the civilized world. The convenience of having pizza so easy to deliver has created a lucrative business opportunity for many </a:t>
+            </a:r>
+            <a:r>
+              <a:rPr lang="en-US" dirty="0" smtClean="0"/>
+              <a:t>companies.</a:t>
+            </a:r>
+          </a:p>
+          <a:p>
+            <a:endParaRPr lang="en-US" dirty="0"/>
+          </a:p>
+          <a:p>
+            <a:r>
+              <a:rPr lang="en-US" dirty="0" smtClean="0"/>
+              <a:t>Now </a:t>
+            </a:r>
+            <a:r>
+              <a:rPr lang="en-US" dirty="0" smtClean="0"/>
+              <a:t>there is a new pizza delivery company making moves, and they are taking no prisoners.</a:t>
             </a:r>
           </a:p>
         </p:txBody>
